--- a/Statistics essential.pptx
+++ b/Statistics essential.pptx
@@ -251,7 +251,7 @@
           <a:p>
             <a:fld id="{63A1C593-65D0-4073-BCC9-577B9352EA97}" type="datetimeFigureOut">
               <a:rPr lang="en-US" smtClean="0"/>
-              <a:t>3/16/2020</a:t>
+              <a:t>3/17/2020</a:t>
             </a:fld>
             <a:endParaRPr lang="en-US"/>
           </a:p>
@@ -421,7 +421,7 @@
           <a:p>
             <a:fld id="{63A1C593-65D0-4073-BCC9-577B9352EA97}" type="datetimeFigureOut">
               <a:rPr lang="en-US" smtClean="0"/>
-              <a:t>3/16/2020</a:t>
+              <a:t>3/17/2020</a:t>
             </a:fld>
             <a:endParaRPr lang="en-US"/>
           </a:p>
@@ -601,7 +601,7 @@
           <a:p>
             <a:fld id="{63A1C593-65D0-4073-BCC9-577B9352EA97}" type="datetimeFigureOut">
               <a:rPr lang="en-US" smtClean="0"/>
-              <a:t>3/16/2020</a:t>
+              <a:t>3/17/2020</a:t>
             </a:fld>
             <a:endParaRPr lang="en-US"/>
           </a:p>
@@ -771,7 +771,7 @@
           <a:p>
             <a:fld id="{63A1C593-65D0-4073-BCC9-577B9352EA97}" type="datetimeFigureOut">
               <a:rPr lang="en-US" smtClean="0"/>
-              <a:t>3/16/2020</a:t>
+              <a:t>3/17/2020</a:t>
             </a:fld>
             <a:endParaRPr lang="en-US"/>
           </a:p>
@@ -1017,7 +1017,7 @@
           <a:p>
             <a:fld id="{63A1C593-65D0-4073-BCC9-577B9352EA97}" type="datetimeFigureOut">
               <a:rPr lang="en-US" smtClean="0"/>
-              <a:t>3/16/2020</a:t>
+              <a:t>3/17/2020</a:t>
             </a:fld>
             <a:endParaRPr lang="en-US"/>
           </a:p>
@@ -1249,7 +1249,7 @@
           <a:p>
             <a:fld id="{63A1C593-65D0-4073-BCC9-577B9352EA97}" type="datetimeFigureOut">
               <a:rPr lang="en-US" smtClean="0"/>
-              <a:t>3/16/2020</a:t>
+              <a:t>3/17/2020</a:t>
             </a:fld>
             <a:endParaRPr lang="en-US"/>
           </a:p>
@@ -1616,7 +1616,7 @@
           <a:p>
             <a:fld id="{63A1C593-65D0-4073-BCC9-577B9352EA97}" type="datetimeFigureOut">
               <a:rPr lang="en-US" smtClean="0"/>
-              <a:t>3/16/2020</a:t>
+              <a:t>3/17/2020</a:t>
             </a:fld>
             <a:endParaRPr lang="en-US"/>
           </a:p>
@@ -1734,7 +1734,7 @@
           <a:p>
             <a:fld id="{63A1C593-65D0-4073-BCC9-577B9352EA97}" type="datetimeFigureOut">
               <a:rPr lang="en-US" smtClean="0"/>
-              <a:t>3/16/2020</a:t>
+              <a:t>3/17/2020</a:t>
             </a:fld>
             <a:endParaRPr lang="en-US"/>
           </a:p>
@@ -1829,7 +1829,7 @@
           <a:p>
             <a:fld id="{63A1C593-65D0-4073-BCC9-577B9352EA97}" type="datetimeFigureOut">
               <a:rPr lang="en-US" smtClean="0"/>
-              <a:t>3/16/2020</a:t>
+              <a:t>3/17/2020</a:t>
             </a:fld>
             <a:endParaRPr lang="en-US"/>
           </a:p>
@@ -2106,7 +2106,7 @@
           <a:p>
             <a:fld id="{63A1C593-65D0-4073-BCC9-577B9352EA97}" type="datetimeFigureOut">
               <a:rPr lang="en-US" smtClean="0"/>
-              <a:t>3/16/2020</a:t>
+              <a:t>3/17/2020</a:t>
             </a:fld>
             <a:endParaRPr lang="en-US"/>
           </a:p>
@@ -2359,7 +2359,7 @@
           <a:p>
             <a:fld id="{63A1C593-65D0-4073-BCC9-577B9352EA97}" type="datetimeFigureOut">
               <a:rPr lang="en-US" smtClean="0"/>
-              <a:t>3/16/2020</a:t>
+              <a:t>3/17/2020</a:t>
             </a:fld>
             <a:endParaRPr lang="en-US"/>
           </a:p>
@@ -2572,7 +2572,7 @@
           <a:p>
             <a:fld id="{63A1C593-65D0-4073-BCC9-577B9352EA97}" type="datetimeFigureOut">
               <a:rPr lang="en-US" smtClean="0"/>
-              <a:t>3/16/2020</a:t>
+              <a:t>3/17/2020</a:t>
             </a:fld>
             <a:endParaRPr lang="en-US"/>
           </a:p>
@@ -3428,7 +3428,6 @@
               <a:rPr lang="en-US" dirty="0"/>
               <a:t> our outcomes.</a:t>
             </a:r>
-            <a:endParaRPr lang="en-US" dirty="0"/>
           </a:p>
         </p:txBody>
       </p:sp>
@@ -3554,7 +3553,17 @@
             </a:r>
             <a:r>
               <a:rPr lang="en-US" dirty="0" smtClean="0"/>
-              <a:t>group)</a:t>
+              <a:t>group</a:t>
+            </a:r>
+            <a:r>
+              <a:rPr lang="en-US" dirty="0" smtClean="0"/>
+              <a:t>)</a:t>
+            </a:r>
+          </a:p>
+          <a:p>
+            <a:r>
+              <a:rPr lang="it-IT" dirty="0" smtClean="0"/>
+              <a:t>50% median</a:t>
             </a:r>
             <a:endParaRPr lang="en-US" dirty="0"/>
           </a:p>

--- a/Statistics essential.pptx
+++ b/Statistics essential.pptx
@@ -251,7 +251,7 @@
           <a:p>
             <a:fld id="{63A1C593-65D0-4073-BCC9-577B9352EA97}" type="datetimeFigureOut">
               <a:rPr lang="en-US" smtClean="0"/>
-              <a:t>3/17/2020</a:t>
+              <a:t>5/4/2020</a:t>
             </a:fld>
             <a:endParaRPr lang="en-US"/>
           </a:p>
@@ -421,7 +421,7 @@
           <a:p>
             <a:fld id="{63A1C593-65D0-4073-BCC9-577B9352EA97}" type="datetimeFigureOut">
               <a:rPr lang="en-US" smtClean="0"/>
-              <a:t>3/17/2020</a:t>
+              <a:t>5/4/2020</a:t>
             </a:fld>
             <a:endParaRPr lang="en-US"/>
           </a:p>
@@ -601,7 +601,7 @@
           <a:p>
             <a:fld id="{63A1C593-65D0-4073-BCC9-577B9352EA97}" type="datetimeFigureOut">
               <a:rPr lang="en-US" smtClean="0"/>
-              <a:t>3/17/2020</a:t>
+              <a:t>5/4/2020</a:t>
             </a:fld>
             <a:endParaRPr lang="en-US"/>
           </a:p>
@@ -771,7 +771,7 @@
           <a:p>
             <a:fld id="{63A1C593-65D0-4073-BCC9-577B9352EA97}" type="datetimeFigureOut">
               <a:rPr lang="en-US" smtClean="0"/>
-              <a:t>3/17/2020</a:t>
+              <a:t>5/4/2020</a:t>
             </a:fld>
             <a:endParaRPr lang="en-US"/>
           </a:p>
@@ -1017,7 +1017,7 @@
           <a:p>
             <a:fld id="{63A1C593-65D0-4073-BCC9-577B9352EA97}" type="datetimeFigureOut">
               <a:rPr lang="en-US" smtClean="0"/>
-              <a:t>3/17/2020</a:t>
+              <a:t>5/4/2020</a:t>
             </a:fld>
             <a:endParaRPr lang="en-US"/>
           </a:p>
@@ -1249,7 +1249,7 @@
           <a:p>
             <a:fld id="{63A1C593-65D0-4073-BCC9-577B9352EA97}" type="datetimeFigureOut">
               <a:rPr lang="en-US" smtClean="0"/>
-              <a:t>3/17/2020</a:t>
+              <a:t>5/4/2020</a:t>
             </a:fld>
             <a:endParaRPr lang="en-US"/>
           </a:p>
@@ -1616,7 +1616,7 @@
           <a:p>
             <a:fld id="{63A1C593-65D0-4073-BCC9-577B9352EA97}" type="datetimeFigureOut">
               <a:rPr lang="en-US" smtClean="0"/>
-              <a:t>3/17/2020</a:t>
+              <a:t>5/4/2020</a:t>
             </a:fld>
             <a:endParaRPr lang="en-US"/>
           </a:p>
@@ -1734,7 +1734,7 @@
           <a:p>
             <a:fld id="{63A1C593-65D0-4073-BCC9-577B9352EA97}" type="datetimeFigureOut">
               <a:rPr lang="en-US" smtClean="0"/>
-              <a:t>3/17/2020</a:t>
+              <a:t>5/4/2020</a:t>
             </a:fld>
             <a:endParaRPr lang="en-US"/>
           </a:p>
@@ -1829,7 +1829,7 @@
           <a:p>
             <a:fld id="{63A1C593-65D0-4073-BCC9-577B9352EA97}" type="datetimeFigureOut">
               <a:rPr lang="en-US" smtClean="0"/>
-              <a:t>3/17/2020</a:t>
+              <a:t>5/4/2020</a:t>
             </a:fld>
             <a:endParaRPr lang="en-US"/>
           </a:p>
@@ -2106,7 +2106,7 @@
           <a:p>
             <a:fld id="{63A1C593-65D0-4073-BCC9-577B9352EA97}" type="datetimeFigureOut">
               <a:rPr lang="en-US" smtClean="0"/>
-              <a:t>3/17/2020</a:t>
+              <a:t>5/4/2020</a:t>
             </a:fld>
             <a:endParaRPr lang="en-US"/>
           </a:p>
@@ -2359,7 +2359,7 @@
           <a:p>
             <a:fld id="{63A1C593-65D0-4073-BCC9-577B9352EA97}" type="datetimeFigureOut">
               <a:rPr lang="en-US" smtClean="0"/>
-              <a:t>3/17/2020</a:t>
+              <a:t>5/4/2020</a:t>
             </a:fld>
             <a:endParaRPr lang="en-US"/>
           </a:p>
@@ -2572,7 +2572,7 @@
           <a:p>
             <a:fld id="{63A1C593-65D0-4073-BCC9-577B9352EA97}" type="datetimeFigureOut">
               <a:rPr lang="en-US" smtClean="0"/>
-              <a:t>3/17/2020</a:t>
+              <a:t>5/4/2020</a:t>
             </a:fld>
             <a:endParaRPr lang="en-US"/>
           </a:p>
@@ -3304,7 +3304,29 @@
             </a:r>
             <a:r>
               <a:rPr lang="en-US" dirty="0"/>
-              <a:t>that can be applied to the population. </a:t>
+              <a:t>that can be applied to the population</a:t>
+            </a:r>
+            <a:r>
+              <a:rPr lang="en-US" dirty="0" smtClean="0"/>
+              <a:t>.</a:t>
+            </a:r>
+          </a:p>
+          <a:p>
+            <a:pPr lvl="1"/>
+            <a:r>
+              <a:rPr lang="en-US" dirty="0" smtClean="0"/>
+              <a:t>Hypothesis testing</a:t>
+            </a:r>
+          </a:p>
+          <a:p>
+            <a:pPr lvl="2"/>
+            <a:r>
+              <a:rPr lang="en-US" dirty="0" smtClean="0"/>
+              <a:t>Mean value, distribution, etc.</a:t>
+            </a:r>
+            <a:r>
+              <a:rPr lang="en-US" dirty="0"/>
+              <a:t> </a:t>
             </a:r>
           </a:p>
           <a:p>
@@ -3500,8 +3522,31 @@
           <a:lstStyle/>
           <a:p>
             <a:r>
+              <a:rPr lang="it-IT" i="1" dirty="0" smtClean="0"/>
+              <a:t>Describe() </a:t>
+            </a:r>
+            <a:r>
               <a:rPr lang="it-IT" dirty="0" smtClean="0"/>
-              <a:t>Describe() on the target column + a possible good indicator, grouped by the target column</a:t>
+              <a:t>on the </a:t>
+            </a:r>
+            <a:r>
+              <a:rPr lang="it-IT" smtClean="0"/>
+              <a:t>whole dataframe to see statistical descriptors of the columns</a:t>
+            </a:r>
+            <a:endParaRPr lang="it-IT" dirty="0" smtClean="0"/>
+          </a:p>
+          <a:p>
+            <a:r>
+              <a:rPr lang="it-IT" i="1" dirty="0" smtClean="0"/>
+              <a:t>Describe</a:t>
+            </a:r>
+            <a:r>
+              <a:rPr lang="it-IT" i="1" dirty="0" smtClean="0"/>
+              <a:t>()</a:t>
+            </a:r>
+            <a:r>
+              <a:rPr lang="it-IT" dirty="0" smtClean="0"/>
+              <a:t> on the target column + a possible good indicator, grouped by the target column</a:t>
             </a:r>
           </a:p>
           <a:p>
@@ -3553,11 +3598,7 @@
             </a:r>
             <a:r>
               <a:rPr lang="en-US" dirty="0" smtClean="0"/>
-              <a:t>group</a:t>
-            </a:r>
-            <a:r>
-              <a:rPr lang="en-US" dirty="0" smtClean="0"/>
-              <a:t>)</a:t>
+              <a:t>group)</a:t>
             </a:r>
           </a:p>
           <a:p>
@@ -3715,7 +3756,12 @@
             <p:ph idx="1"/>
           </p:nvPr>
         </p:nvSpPr>
-        <p:spPr/>
+        <p:spPr>
+          <a:xfrm>
+            <a:off x="936172" y="1803854"/>
+            <a:ext cx="10515600" cy="4351338"/>
+          </a:xfrm>
+        </p:spPr>
         <p:txBody>
           <a:bodyPr/>
           <a:lstStyle/>
@@ -3771,6 +3817,66 @@
           </a:extLst>
         </p:spPr>
       </p:pic>
+      <p:sp>
+        <p:nvSpPr>
+          <p:cNvPr id="4" name="TextBox 3"/>
+          <p:cNvSpPr txBox="1"/>
+          <p:nvPr/>
+        </p:nvSpPr>
+        <p:spPr>
+          <a:xfrm>
+            <a:off x="8670471" y="2444344"/>
+            <a:ext cx="1921329" cy="307777"/>
+          </a:xfrm>
+          <a:prstGeom prst="rect">
+            <a:avLst/>
+          </a:prstGeom>
+          <a:noFill/>
+        </p:spPr>
+        <p:txBody>
+          <a:bodyPr wrap="square" rtlCol="0">
+            <a:spAutoFit/>
+          </a:bodyPr>
+          <a:lstStyle/>
+          <a:p>
+            <a:r>
+              <a:rPr lang="it-IT" sz="1400" dirty="0" smtClean="0"/>
+              <a:t>Or another threshold</a:t>
+            </a:r>
+            <a:endParaRPr lang="en-US" sz="1400" dirty="0"/>
+          </a:p>
+        </p:txBody>
+      </p:sp>
+      <p:sp>
+        <p:nvSpPr>
+          <p:cNvPr id="5" name="TextBox 4"/>
+          <p:cNvSpPr txBox="1"/>
+          <p:nvPr/>
+        </p:nvSpPr>
+        <p:spPr>
+          <a:xfrm>
+            <a:off x="538843" y="3390900"/>
+            <a:ext cx="4452257" cy="369332"/>
+          </a:xfrm>
+          <a:prstGeom prst="rect">
+            <a:avLst/>
+          </a:prstGeom>
+          <a:noFill/>
+        </p:spPr>
+        <p:txBody>
+          <a:bodyPr wrap="square" rtlCol="0">
+            <a:spAutoFit/>
+          </a:bodyPr>
+          <a:lstStyle/>
+          <a:p>
+            <a:r>
+              <a:rPr lang="it-IT" dirty="0" smtClean="0"/>
+              <a:t>Pd.DataFrame has boxplot() capability</a:t>
+            </a:r>
+            <a:endParaRPr lang="en-US" dirty="0"/>
+          </a:p>
+        </p:txBody>
+      </p:sp>
     </p:spTree>
     <p:extLst>
       <p:ext uri="{BB962C8B-B14F-4D97-AF65-F5344CB8AC3E}">
@@ -3818,7 +3924,11 @@
           <a:p>
             <a:r>
               <a:rPr lang="it-IT" dirty="0" smtClean="0"/>
-              <a:t>Scatter Plot</a:t>
+              <a:t>Reg</a:t>
+            </a:r>
+            <a:r>
+              <a:rPr lang="it-IT" dirty="0" smtClean="0"/>
+              <a:t>Plot</a:t>
             </a:r>
             <a:endParaRPr lang="en-US" dirty="0"/>
           </a:p>
@@ -3888,6 +3998,49 @@
           </a:extLst>
         </p:spPr>
       </p:pic>
+      <p:sp>
+        <p:nvSpPr>
+          <p:cNvPr id="4" name="TextBox 3"/>
+          <p:cNvSpPr txBox="1"/>
+          <p:nvPr/>
+        </p:nvSpPr>
+        <p:spPr>
+          <a:xfrm>
+            <a:off x="419100" y="3042557"/>
+            <a:ext cx="3211286" cy="1200329"/>
+          </a:xfrm>
+          <a:prstGeom prst="rect">
+            <a:avLst/>
+          </a:prstGeom>
+          <a:noFill/>
+        </p:spPr>
+        <p:txBody>
+          <a:bodyPr wrap="square" rtlCol="0">
+            <a:spAutoFit/>
+          </a:bodyPr>
+          <a:lstStyle/>
+          <a:p>
+            <a:r>
+              <a:rPr lang="it-IT" dirty="0" smtClean="0"/>
+              <a:t>Seaborn regplot</a:t>
+            </a:r>
+          </a:p>
+          <a:p>
+            <a:endParaRPr lang="en-US" dirty="0" smtClean="0"/>
+          </a:p>
+          <a:p>
+            <a:r>
+              <a:rPr lang="en-US" dirty="0" smtClean="0"/>
+              <a:t>Plot </a:t>
+            </a:r>
+            <a:r>
+              <a:rPr lang="en-US" dirty="0"/>
+              <a:t>data and a linear regression model fit.</a:t>
+            </a:r>
+            <a:endParaRPr lang="en-US" dirty="0"/>
+          </a:p>
+        </p:txBody>
+      </p:sp>
     </p:spTree>
     <p:extLst>
       <p:ext uri="{BB962C8B-B14F-4D97-AF65-F5344CB8AC3E}">
@@ -4005,6 +4158,54 @@
           </a:extLst>
         </p:spPr>
       </p:pic>
+      <p:sp>
+        <p:nvSpPr>
+          <p:cNvPr id="5" name="TextBox 4"/>
+          <p:cNvSpPr txBox="1"/>
+          <p:nvPr/>
+        </p:nvSpPr>
+        <p:spPr>
+          <a:xfrm>
+            <a:off x="419100" y="3042557"/>
+            <a:ext cx="3211286" cy="923330"/>
+          </a:xfrm>
+          <a:prstGeom prst="rect">
+            <a:avLst/>
+          </a:prstGeom>
+          <a:noFill/>
+        </p:spPr>
+        <p:txBody>
+          <a:bodyPr wrap="square" rtlCol="0">
+            <a:spAutoFit/>
+          </a:bodyPr>
+          <a:lstStyle/>
+          <a:p>
+            <a:r>
+              <a:rPr lang="it-IT" dirty="0"/>
+              <a:t>c</a:t>
+            </a:r>
+            <a:r>
+              <a:rPr lang="it-IT" dirty="0" smtClean="0"/>
+              <a:t>orr = Dataframe.corr()</a:t>
+            </a:r>
+            <a:br>
+              <a:rPr lang="it-IT" dirty="0" smtClean="0"/>
+            </a:br>
+            <a:r>
+              <a:rPr lang="it-IT" dirty="0" smtClean="0"/>
+              <a:t/>
+            </a:r>
+            <a:br>
+              <a:rPr lang="it-IT" dirty="0" smtClean="0"/>
+            </a:br>
+            <a:r>
+              <a:rPr lang="it-IT" dirty="0" smtClean="0"/>
+              <a:t>seaborne heatmap(corr, etc.)</a:t>
+            </a:r>
+            <a:endParaRPr lang="en-US" dirty="0"/>
+          </a:p>
+        </p:txBody>
+      </p:sp>
     </p:spTree>
     <p:extLst>
       <p:ext uri="{BB962C8B-B14F-4D97-AF65-F5344CB8AC3E}">
